--- a/conexionCognito/Presentacion de java SDK con Cognito.pptx
+++ b/conexionCognito/Presentacion de java SDK con Cognito.pptx
@@ -9,8 +9,9 @@
     <p:sldId id="256" r:id="rId3"/>
     <p:sldId id="260" r:id="rId4"/>
     <p:sldId id="257" r:id="rId5"/>
-    <p:sldId id="258" r:id="rId6"/>
+    <p:sldId id="262" r:id="rId6"/>
     <p:sldId id="259" r:id="rId7"/>
+    <p:sldId id="258" r:id="rId8"/>
   </p:sldIdLst>
   <p:sldSz cx="12192000" cy="6858000"/>
   <p:notesSz cx="6858000" cy="9144000"/>
@@ -109,6 +110,11 @@
       </a:defRPr>
     </a:lvl9pPr>
   </p:defaultTextStyle>
+  <p:extLst>
+    <p:ext uri="{EFAFB233-063F-42B5-8137-9DF3F51BA10A}">
+      <p15:sldGuideLst xmlns:p15="http://schemas.microsoft.com/office/powerpoint/2012/main"/>
+    </p:ext>
+  </p:extLst>
 </p:presentation>
 </file>
 
@@ -3008,7 +3014,7 @@
         <p:spPr>
           <a:xfrm>
             <a:off x="0" y="379827"/>
-            <a:ext cx="12192000" cy="923330"/>
+            <a:ext cx="12192000" cy="1200329"/>
           </a:xfrm>
           <a:prstGeom prst="rect">
             <a:avLst/>
@@ -3033,8 +3039,19 @@
           <a:p>
             <a:r>
               <a:rPr lang="es-ES" dirty="0" smtClean="0"/>
-              <a:t>GitHub.</a:t>
-            </a:r>
+              <a:t>GitHub</a:t>
+            </a:r>
+            <a:r>
+              <a:rPr lang="es-ES" dirty="0" smtClean="0"/>
+              <a:t>.</a:t>
+            </a:r>
+          </a:p>
+          <a:p>
+            <a:r>
+              <a:rPr lang="es-ES" dirty="0" err="1" smtClean="0"/>
+              <a:t>MongoDB</a:t>
+            </a:r>
+            <a:endParaRPr lang="es-ES" dirty="0" smtClean="0"/>
           </a:p>
           <a:p>
             <a:r>
@@ -3053,8 +3070,8 @@
         </p:nvSpPr>
         <p:spPr>
           <a:xfrm>
-            <a:off x="0" y="5934670"/>
-            <a:ext cx="12192000" cy="923330"/>
+            <a:off x="0" y="5272818"/>
+            <a:ext cx="12192000" cy="2308324"/>
           </a:xfrm>
           <a:prstGeom prst="rect">
             <a:avLst/>
@@ -3082,6 +3099,57 @@
               </a:rPr>
               <a:t>https://github.com/</a:t>
             </a:r>
+            <a:endParaRPr lang="es-ES" dirty="0" smtClean="0"/>
+          </a:p>
+          <a:p>
+            <a:r>
+              <a:rPr lang="es-ES" dirty="0">
+                <a:hlinkClick r:id="rId4"/>
+              </a:rPr>
+              <a:t>https://</a:t>
+            </a:r>
+            <a:r>
+              <a:rPr lang="es-ES" dirty="0" smtClean="0">
+                <a:hlinkClick r:id="rId4"/>
+              </a:rPr>
+              <a:t>www.youtube.com/watch?v=XeTDpPsyR4w</a:t>
+            </a:r>
+            <a:endParaRPr lang="es-ES" dirty="0" smtClean="0"/>
+          </a:p>
+          <a:p>
+            <a:r>
+              <a:rPr lang="es-ES"/>
+              <a:t>https</a:t>
+            </a:r>
+            <a:r>
+              <a:rPr lang="es-ES"/>
+              <a:t>://</a:t>
+            </a:r>
+            <a:r>
+              <a:rPr lang="es-ES" smtClean="0"/>
+              <a:t>www.youtube.com/watch?v=FwMwO8pXfq0</a:t>
+            </a:r>
+            <a:endParaRPr lang="es-ES" dirty="0" smtClean="0"/>
+          </a:p>
+          <a:p>
+            <a:r>
+              <a:rPr lang="es-ES" dirty="0">
+                <a:hlinkClick r:id="rId5"/>
+              </a:rPr>
+              <a:t>https://</a:t>
+            </a:r>
+            <a:r>
+              <a:rPr lang="es-ES" dirty="0" smtClean="0">
+                <a:hlinkClick r:id="rId5"/>
+              </a:rPr>
+              <a:t>www.mongodb.com/try/download/community</a:t>
+            </a:r>
+            <a:endParaRPr lang="es-ES" dirty="0" smtClean="0"/>
+          </a:p>
+          <a:p>
+            <a:endParaRPr lang="es-ES" dirty="0" smtClean="0"/>
+          </a:p>
+          <a:p>
             <a:endParaRPr lang="es-ES" dirty="0" smtClean="0"/>
           </a:p>
           <a:p>
@@ -3449,7 +3517,6 @@
               <a:rPr lang="es-ES" dirty="0" smtClean="0"/>
               <a:t>.</a:t>
             </a:r>
-            <a:endParaRPr lang="es-ES" dirty="0" smtClean="0"/>
           </a:p>
         </p:txBody>
       </p:sp>
@@ -3638,7 +3705,6 @@
               <a:rPr lang="es-ES" dirty="0" smtClean="0"/>
               <a:t> reúne las condiciones establecidas por HIPAA y cumple con los requisitos de las normas PCI DSS, ISO/IEC 27001, ISO/IEC 27017, ISO/IEC 27018 e ISO 9001</a:t>
             </a:r>
-            <a:endParaRPr lang="es-ES" dirty="0" smtClean="0"/>
           </a:p>
         </p:txBody>
       </p:sp>
@@ -3779,7 +3845,6 @@
               <a:rPr lang="es-ES" dirty="0" smtClean="0"/>
               <a:t>, para poder controlar acceso a los recursos a los usuarios que cumplan con condiciones de atributos específicos.</a:t>
             </a:r>
-            <a:endParaRPr lang="es-ES" dirty="0" smtClean="0"/>
           </a:p>
         </p:txBody>
       </p:sp>
@@ -3843,7 +3908,6 @@
               <a:rPr lang="es-ES" dirty="0" smtClean="0"/>
               <a:t> puede añadir a su aplicación, en cuestión de minutos, las funciones de control de acceso, suscripción e inicio de sesión por parte de los usuarios, puede personalizar la interfaz de usuario de manera que la imagen de marca de su empresa presida todas las interacciones de los usuarios</a:t>
             </a:r>
-            <a:endParaRPr lang="es-ES" dirty="0" smtClean="0"/>
           </a:p>
         </p:txBody>
       </p:sp>
@@ -4191,93 +4255,34 @@
           <a:chExt cx="0" cy="0"/>
         </a:xfrm>
       </p:grpSpPr>
-      <p:sp>
-        <p:nvSpPr>
-          <p:cNvPr id="2" name="CuadroTexto 1"/>
-          <p:cNvSpPr txBox="1"/>
+      <p:pic>
+        <p:nvPicPr>
+          <p:cNvPr id="2" name="Imagen 1"/>
+          <p:cNvPicPr>
+            <a:picLocks noChangeAspect="1"/>
+          </p:cNvPicPr>
           <p:nvPr/>
-        </p:nvSpPr>
-        <p:spPr>
-          <a:xfrm>
-            <a:off x="0" y="0"/>
-            <a:ext cx="12192000" cy="369332"/>
+        </p:nvPicPr>
+        <p:blipFill>
+          <a:blip r:embed="rId2"/>
+          <a:stretch>
+            <a:fillRect/>
+          </a:stretch>
+        </p:blipFill>
+        <p:spPr>
+          <a:xfrm>
+            <a:off x="183969" y="763360"/>
+            <a:ext cx="8915400" cy="3676650"/>
           </a:xfrm>
           <a:prstGeom prst="rect">
             <a:avLst/>
           </a:prstGeom>
-          <a:noFill/>
-        </p:spPr>
-        <p:txBody>
-          <a:bodyPr wrap="square" rtlCol="0">
-            <a:spAutoFit/>
-          </a:bodyPr>
-          <a:lstStyle/>
-          <a:p>
-            <a:r>
-              <a:rPr lang="es-ES" dirty="0" smtClean="0"/>
-              <a:t>LINKS:</a:t>
-            </a:r>
-            <a:endParaRPr lang="en-US" dirty="0"/>
-          </a:p>
-        </p:txBody>
-      </p:sp>
-      <p:sp>
-        <p:nvSpPr>
-          <p:cNvPr id="4" name="CuadroTexto 3"/>
-          <p:cNvSpPr txBox="1"/>
-          <p:nvPr/>
-        </p:nvSpPr>
-        <p:spPr>
-          <a:xfrm>
-            <a:off x="0" y="369332"/>
-            <a:ext cx="12192000" cy="1200329"/>
-          </a:xfrm>
-          <a:prstGeom prst="rect">
-            <a:avLst/>
-          </a:prstGeom>
-          <a:noFill/>
-        </p:spPr>
-        <p:txBody>
-          <a:bodyPr wrap="square" rtlCol="0">
-            <a:spAutoFit/>
-          </a:bodyPr>
-          <a:lstStyle/>
-          <a:p>
-            <a:r>
-              <a:rPr lang="es-ES" dirty="0" smtClean="0">
-                <a:hlinkClick r:id="rId2"/>
-              </a:rPr>
-              <a:t>https://aws.amazon.com/es/cognito/</a:t>
-            </a:r>
-            <a:endParaRPr lang="es-ES" dirty="0" smtClean="0"/>
-          </a:p>
-          <a:p>
-            <a:r>
-              <a:rPr lang="es-ES" dirty="0" smtClean="0">
-                <a:hlinkClick r:id="rId3"/>
-              </a:rPr>
-              <a:t>https://us-east-1.console.aws.amazon.com/cognito/home?region=us-east-1#</a:t>
-            </a:r>
-            <a:endParaRPr lang="es-ES" dirty="0" smtClean="0"/>
-          </a:p>
-          <a:p>
-            <a:r>
-              <a:rPr lang="es-ES" dirty="0" smtClean="0">
-                <a:hlinkClick r:id="rId4"/>
-              </a:rPr>
-              <a:t>https://docs.aws.amazon.com/es_es/cognito/index.html</a:t>
-            </a:r>
-            <a:endParaRPr lang="es-ES" dirty="0" smtClean="0"/>
-          </a:p>
-          <a:p>
-            <a:endParaRPr lang="en-US" dirty="0"/>
-          </a:p>
-        </p:txBody>
-      </p:sp>
+        </p:spPr>
+      </p:pic>
     </p:spTree>
     <p:extLst>
       <p:ext uri="{BB962C8B-B14F-4D97-AF65-F5344CB8AC3E}">
-        <p14:creationId xmlns:p14="http://schemas.microsoft.com/office/powerpoint/2010/main" val="2729175066"/>
+        <p14:creationId xmlns:p14="http://schemas.microsoft.com/office/powerpoint/2010/main" val="431303327"/>
       </p:ext>
     </p:extLst>
   </p:cSld>
@@ -4304,10 +4309,341 @@
           <a:chExt cx="0" cy="0"/>
         </a:xfrm>
       </p:grpSpPr>
+      <p:sp>
+        <p:nvSpPr>
+          <p:cNvPr id="2" name="CuadroTexto 1"/>
+          <p:cNvSpPr txBox="1"/>
+          <p:nvPr/>
+        </p:nvSpPr>
+        <p:spPr>
+          <a:xfrm>
+            <a:off x="0" y="104503"/>
+            <a:ext cx="12192000" cy="369332"/>
+          </a:xfrm>
+          <a:prstGeom prst="rect">
+            <a:avLst/>
+          </a:prstGeom>
+          <a:noFill/>
+        </p:spPr>
+        <p:txBody>
+          <a:bodyPr wrap="square" rtlCol="0">
+            <a:spAutoFit/>
+          </a:bodyPr>
+          <a:lstStyle/>
+          <a:p>
+            <a:r>
+              <a:rPr lang="es-ES" dirty="0" err="1" smtClean="0"/>
+              <a:t>dsgsd</a:t>
+            </a:r>
+            <a:endParaRPr lang="en-US" dirty="0"/>
+          </a:p>
+        </p:txBody>
+      </p:sp>
+      <p:pic>
+        <p:nvPicPr>
+          <p:cNvPr id="3" name="Imagen 2"/>
+          <p:cNvPicPr>
+            <a:picLocks noChangeAspect="1"/>
+          </p:cNvPicPr>
+          <p:nvPr/>
+        </p:nvPicPr>
+        <p:blipFill>
+          <a:blip r:embed="rId2"/>
+          <a:stretch>
+            <a:fillRect/>
+          </a:stretch>
+        </p:blipFill>
+        <p:spPr>
+          <a:xfrm>
+            <a:off x="4716861" y="3298246"/>
+            <a:ext cx="7311475" cy="3366114"/>
+          </a:xfrm>
+          <a:prstGeom prst="rect">
+            <a:avLst/>
+          </a:prstGeom>
+        </p:spPr>
+      </p:pic>
+      <p:sp>
+        <p:nvSpPr>
+          <p:cNvPr id="4" name="CuadroTexto 3"/>
+          <p:cNvSpPr txBox="1"/>
+          <p:nvPr/>
+        </p:nvSpPr>
+        <p:spPr>
+          <a:xfrm>
+            <a:off x="209006" y="4981303"/>
+            <a:ext cx="3823063" cy="1200329"/>
+          </a:xfrm>
+          <a:prstGeom prst="rect">
+            <a:avLst/>
+          </a:prstGeom>
+          <a:noFill/>
+        </p:spPr>
+        <p:txBody>
+          <a:bodyPr wrap="square" rtlCol="0">
+            <a:spAutoFit/>
+          </a:bodyPr>
+          <a:lstStyle/>
+          <a:p>
+            <a:r>
+              <a:rPr lang="en-US" dirty="0">
+                <a:hlinkClick r:id="rId3"/>
+              </a:rPr>
+              <a:t>https://www.youtube.com/watch?v=-</a:t>
+            </a:r>
+            <a:r>
+              <a:rPr lang="en-US" dirty="0" smtClean="0">
+                <a:hlinkClick r:id="rId3"/>
+              </a:rPr>
+              <a:t>ksmE3KoX9U</a:t>
+            </a:r>
+          </a:p>
+          <a:p>
+            <a:r>
+              <a:rPr lang="en-US" dirty="0" smtClean="0">
+                <a:hlinkClick r:id="rId3"/>
+              </a:rPr>
+              <a:t>https</a:t>
+            </a:r>
+            <a:r>
+              <a:rPr lang="en-US" dirty="0">
+                <a:hlinkClick r:id="rId3"/>
+              </a:rPr>
+              <a:t>://start.spring.io</a:t>
+            </a:r>
+            <a:r>
+              <a:rPr lang="en-US" dirty="0" smtClean="0">
+                <a:hlinkClick r:id="rId3"/>
+              </a:rPr>
+              <a:t>/</a:t>
+            </a:r>
+            <a:endParaRPr lang="en-US" dirty="0" smtClean="0"/>
+          </a:p>
+          <a:p>
+            <a:endParaRPr lang="en-US" dirty="0" smtClean="0"/>
+          </a:p>
+        </p:txBody>
+      </p:sp>
+      <p:sp>
+        <p:nvSpPr>
+          <p:cNvPr id="5" name="CuadroTexto 4"/>
+          <p:cNvSpPr txBox="1"/>
+          <p:nvPr/>
+        </p:nvSpPr>
+        <p:spPr>
+          <a:xfrm>
+            <a:off x="153569" y="551908"/>
+            <a:ext cx="12192000" cy="2308324"/>
+          </a:xfrm>
+          <a:prstGeom prst="rect">
+            <a:avLst/>
+          </a:prstGeom>
+          <a:noFill/>
+        </p:spPr>
+        <p:txBody>
+          <a:bodyPr wrap="square" rtlCol="0">
+            <a:spAutoFit/>
+          </a:bodyPr>
+          <a:lstStyle/>
+          <a:p>
+            <a:r>
+              <a:rPr lang="es-ES" dirty="0"/>
+              <a:t>¿Qué es </a:t>
+            </a:r>
+            <a:r>
+              <a:rPr lang="es-ES" dirty="0" smtClean="0"/>
+              <a:t>Sprint </a:t>
+            </a:r>
+            <a:r>
+              <a:rPr lang="es-ES" dirty="0" err="1" smtClean="0"/>
+              <a:t>Boot</a:t>
+            </a:r>
+            <a:r>
+              <a:rPr lang="es-ES" dirty="0" smtClean="0"/>
+              <a:t>?</a:t>
+            </a:r>
+          </a:p>
+          <a:p>
+            <a:r>
+              <a:rPr lang="es-ES" dirty="0" smtClean="0"/>
+              <a:t>¿</a:t>
+            </a:r>
+            <a:r>
+              <a:rPr lang="es-ES" dirty="0"/>
+              <a:t>Qué es </a:t>
+            </a:r>
+            <a:r>
+              <a:rPr lang="es-ES" dirty="0" err="1"/>
+              <a:t>Maven</a:t>
+            </a:r>
+            <a:r>
+              <a:rPr lang="es-ES" dirty="0"/>
+              <a:t>?</a:t>
+            </a:r>
+          </a:p>
+          <a:p>
+            <a:r>
+              <a:rPr lang="es-ES" dirty="0" smtClean="0"/>
+              <a:t>¿Qué es </a:t>
+            </a:r>
+            <a:r>
+              <a:rPr lang="es-ES" dirty="0" err="1" smtClean="0"/>
+              <a:t>Lombok</a:t>
+            </a:r>
+            <a:r>
+              <a:rPr lang="es-ES" dirty="0" smtClean="0"/>
+              <a:t>?</a:t>
+            </a:r>
+          </a:p>
+          <a:p>
+            <a:r>
+              <a:rPr lang="es-ES" dirty="0"/>
+              <a:t>¿Qué es </a:t>
+            </a:r>
+            <a:r>
+              <a:rPr lang="es-ES" dirty="0" smtClean="0"/>
+              <a:t>Spring Web?</a:t>
+            </a:r>
+          </a:p>
+          <a:p>
+            <a:r>
+              <a:rPr lang="es-ES" dirty="0"/>
+              <a:t>¿Qué es </a:t>
+            </a:r>
+            <a:r>
+              <a:rPr lang="es-ES" dirty="0" smtClean="0"/>
+              <a:t>Sprint Data Mongo DB?</a:t>
+            </a:r>
+            <a:endParaRPr lang="es-ES" dirty="0"/>
+          </a:p>
+          <a:p>
+            <a:endParaRPr lang="es-ES" dirty="0"/>
+          </a:p>
+          <a:p>
+            <a:endParaRPr lang="es-ES" dirty="0" smtClean="0"/>
+          </a:p>
+          <a:p>
+            <a:endParaRPr lang="en-US" dirty="0"/>
+          </a:p>
+        </p:txBody>
+      </p:sp>
     </p:spTree>
     <p:extLst>
       <p:ext uri="{BB962C8B-B14F-4D97-AF65-F5344CB8AC3E}">
         <p14:creationId xmlns:p14="http://schemas.microsoft.com/office/powerpoint/2010/main" val="3104963905"/>
+      </p:ext>
+    </p:extLst>
+  </p:cSld>
+  <p:clrMapOvr>
+    <a:masterClrMapping/>
+  </p:clrMapOvr>
+</p:sld>
+</file>
+
+<file path=ppt/slides/slide7.xml><?xml version="1.0" encoding="utf-8"?>
+<p:sld xmlns:a="http://schemas.openxmlformats.org/drawingml/2006/main" xmlns:r="http://schemas.openxmlformats.org/officeDocument/2006/relationships" xmlns:p="http://schemas.openxmlformats.org/presentationml/2006/main">
+  <p:cSld>
+    <p:spTree>
+      <p:nvGrpSpPr>
+        <p:cNvPr id="1" name=""/>
+        <p:cNvGrpSpPr/>
+        <p:nvPr/>
+      </p:nvGrpSpPr>
+      <p:grpSpPr>
+        <a:xfrm>
+          <a:off x="0" y="0"/>
+          <a:ext cx="0" cy="0"/>
+          <a:chOff x="0" y="0"/>
+          <a:chExt cx="0" cy="0"/>
+        </a:xfrm>
+      </p:grpSpPr>
+      <p:sp>
+        <p:nvSpPr>
+          <p:cNvPr id="2" name="CuadroTexto 1"/>
+          <p:cNvSpPr txBox="1"/>
+          <p:nvPr/>
+        </p:nvSpPr>
+        <p:spPr>
+          <a:xfrm>
+            <a:off x="0" y="0"/>
+            <a:ext cx="12192000" cy="369332"/>
+          </a:xfrm>
+          <a:prstGeom prst="rect">
+            <a:avLst/>
+          </a:prstGeom>
+          <a:noFill/>
+        </p:spPr>
+        <p:txBody>
+          <a:bodyPr wrap="square" rtlCol="0">
+            <a:spAutoFit/>
+          </a:bodyPr>
+          <a:lstStyle/>
+          <a:p>
+            <a:r>
+              <a:rPr lang="es-ES" dirty="0" smtClean="0"/>
+              <a:t>LINKS:</a:t>
+            </a:r>
+            <a:endParaRPr lang="en-US" dirty="0"/>
+          </a:p>
+        </p:txBody>
+      </p:sp>
+      <p:sp>
+        <p:nvSpPr>
+          <p:cNvPr id="4" name="CuadroTexto 3"/>
+          <p:cNvSpPr txBox="1"/>
+          <p:nvPr/>
+        </p:nvSpPr>
+        <p:spPr>
+          <a:xfrm>
+            <a:off x="0" y="369332"/>
+            <a:ext cx="12192000" cy="1200329"/>
+          </a:xfrm>
+          <a:prstGeom prst="rect">
+            <a:avLst/>
+          </a:prstGeom>
+          <a:noFill/>
+        </p:spPr>
+        <p:txBody>
+          <a:bodyPr wrap="square" rtlCol="0">
+            <a:spAutoFit/>
+          </a:bodyPr>
+          <a:lstStyle/>
+          <a:p>
+            <a:r>
+              <a:rPr lang="es-ES" dirty="0" smtClean="0">
+                <a:hlinkClick r:id="rId2"/>
+              </a:rPr>
+              <a:t>https://aws.amazon.com/es/cognito/</a:t>
+            </a:r>
+            <a:endParaRPr lang="es-ES" dirty="0" smtClean="0"/>
+          </a:p>
+          <a:p>
+            <a:r>
+              <a:rPr lang="es-ES" dirty="0" smtClean="0">
+                <a:hlinkClick r:id="rId3"/>
+              </a:rPr>
+              <a:t>https://us-east-1.console.aws.amazon.com/cognito/home?region=us-east-1#</a:t>
+            </a:r>
+            <a:endParaRPr lang="es-ES" dirty="0" smtClean="0"/>
+          </a:p>
+          <a:p>
+            <a:r>
+              <a:rPr lang="es-ES" dirty="0" smtClean="0">
+                <a:hlinkClick r:id="rId4"/>
+              </a:rPr>
+              <a:t>https://docs.aws.amazon.com/es_es/cognito/index.html</a:t>
+            </a:r>
+            <a:endParaRPr lang="es-ES" dirty="0" smtClean="0"/>
+          </a:p>
+          <a:p>
+            <a:endParaRPr lang="en-US" dirty="0"/>
+          </a:p>
+        </p:txBody>
+      </p:sp>
+    </p:spTree>
+    <p:extLst>
+      <p:ext uri="{BB962C8B-B14F-4D97-AF65-F5344CB8AC3E}">
+        <p14:creationId xmlns:p14="http://schemas.microsoft.com/office/powerpoint/2010/main" val="2729175066"/>
       </p:ext>
     </p:extLst>
   </p:cSld>
